--- a/docs/diagrams/LogicComponentImportSequenceDiagram.pptx
+++ b/docs/diagrams/LogicComponentImportSequenceDiagram.pptx
@@ -208,7 +208,7 @@
           <a:p>
             <a:fld id="{F5CC4B3F-88C1-4FFA-B1B6-F41C21DC6924}" type="datetimeFigureOut">
               <a:rPr lang="en-US" smtClean="0"/>
-              <a:t>3/28/2018</a:t>
+              <a:t>4/15/2018</a:t>
             </a:fld>
             <a:endParaRPr lang="en-US"/>
           </a:p>
@@ -654,7 +654,7 @@
           <a:p>
             <a:fld id="{78C97017-6FC3-485B-9764-EAC9E56C1D49}" type="datetimeFigureOut">
               <a:rPr lang="en-US" smtClean="0"/>
-              <a:t>3/28/2018</a:t>
+              <a:t>4/15/2018</a:t>
             </a:fld>
             <a:endParaRPr lang="en-US"/>
           </a:p>
@@ -822,7 +822,7 @@
           <a:p>
             <a:fld id="{78C97017-6FC3-485B-9764-EAC9E56C1D49}" type="datetimeFigureOut">
               <a:rPr lang="en-US" smtClean="0"/>
-              <a:t>3/28/2018</a:t>
+              <a:t>4/15/2018</a:t>
             </a:fld>
             <a:endParaRPr lang="en-US"/>
           </a:p>
@@ -1000,7 +1000,7 @@
           <a:p>
             <a:fld id="{78C97017-6FC3-485B-9764-EAC9E56C1D49}" type="datetimeFigureOut">
               <a:rPr lang="en-US" smtClean="0"/>
-              <a:t>3/28/2018</a:t>
+              <a:t>4/15/2018</a:t>
             </a:fld>
             <a:endParaRPr lang="en-US"/>
           </a:p>
@@ -1168,7 +1168,7 @@
           <a:p>
             <a:fld id="{78C97017-6FC3-485B-9764-EAC9E56C1D49}" type="datetimeFigureOut">
               <a:rPr lang="en-US" smtClean="0"/>
-              <a:t>3/28/2018</a:t>
+              <a:t>4/15/2018</a:t>
             </a:fld>
             <a:endParaRPr lang="en-US"/>
           </a:p>
@@ -1413,7 +1413,7 @@
           <a:p>
             <a:fld id="{78C97017-6FC3-485B-9764-EAC9E56C1D49}" type="datetimeFigureOut">
               <a:rPr lang="en-US" smtClean="0"/>
-              <a:t>3/28/2018</a:t>
+              <a:t>4/15/2018</a:t>
             </a:fld>
             <a:endParaRPr lang="en-US"/>
           </a:p>
@@ -1698,7 +1698,7 @@
           <a:p>
             <a:fld id="{78C97017-6FC3-485B-9764-EAC9E56C1D49}" type="datetimeFigureOut">
               <a:rPr lang="en-US" smtClean="0"/>
-              <a:t>3/28/2018</a:t>
+              <a:t>4/15/2018</a:t>
             </a:fld>
             <a:endParaRPr lang="en-US"/>
           </a:p>
@@ -2117,7 +2117,7 @@
           <a:p>
             <a:fld id="{78C97017-6FC3-485B-9764-EAC9E56C1D49}" type="datetimeFigureOut">
               <a:rPr lang="en-US" smtClean="0"/>
-              <a:t>3/28/2018</a:t>
+              <a:t>4/15/2018</a:t>
             </a:fld>
             <a:endParaRPr lang="en-US"/>
           </a:p>
@@ -2234,7 +2234,7 @@
           <a:p>
             <a:fld id="{78C97017-6FC3-485B-9764-EAC9E56C1D49}" type="datetimeFigureOut">
               <a:rPr lang="en-US" smtClean="0"/>
-              <a:t>3/28/2018</a:t>
+              <a:t>4/15/2018</a:t>
             </a:fld>
             <a:endParaRPr lang="en-US"/>
           </a:p>
@@ -2329,7 +2329,7 @@
           <a:p>
             <a:fld id="{78C97017-6FC3-485B-9764-EAC9E56C1D49}" type="datetimeFigureOut">
               <a:rPr lang="en-US" smtClean="0"/>
-              <a:t>3/28/2018</a:t>
+              <a:t>4/15/2018</a:t>
             </a:fld>
             <a:endParaRPr lang="en-US"/>
           </a:p>
@@ -2604,7 +2604,7 @@
           <a:p>
             <a:fld id="{78C97017-6FC3-485B-9764-EAC9E56C1D49}" type="datetimeFigureOut">
               <a:rPr lang="en-US" smtClean="0"/>
-              <a:t>3/28/2018</a:t>
+              <a:t>4/15/2018</a:t>
             </a:fld>
             <a:endParaRPr lang="en-US"/>
           </a:p>
@@ -2856,7 +2856,7 @@
           <a:p>
             <a:fld id="{78C97017-6FC3-485B-9764-EAC9E56C1D49}" type="datetimeFigureOut">
               <a:rPr lang="en-US" smtClean="0"/>
-              <a:t>3/28/2018</a:t>
+              <a:t>4/15/2018</a:t>
             </a:fld>
             <a:endParaRPr lang="en-US"/>
           </a:p>
@@ -3067,7 +3067,7 @@
           <a:p>
             <a:fld id="{78C97017-6FC3-485B-9764-EAC9E56C1D49}" type="datetimeFigureOut">
               <a:rPr lang="en-US" smtClean="0"/>
-              <a:t>3/28/2018</a:t>
+              <a:t>4/15/2018</a:t>
             </a:fld>
             <a:endParaRPr lang="en-US"/>
           </a:p>
@@ -4314,7 +4314,7 @@
         </p:nvSpPr>
         <p:spPr>
           <a:xfrm>
-            <a:off x="7994858" y="2239771"/>
+            <a:off x="8562604" y="2238479"/>
             <a:ext cx="1030504" cy="346760"/>
           </a:xfrm>
           <a:prstGeom prst="rect">
@@ -4464,7 +4464,7 @@
         </p:nvCxnSpPr>
         <p:spPr>
           <a:xfrm>
-            <a:off x="8510110" y="2607012"/>
+            <a:off x="9106439" y="2579601"/>
             <a:ext cx="0" cy="2830598"/>
           </a:xfrm>
           <a:prstGeom prst="line">
@@ -4504,7 +4504,7 @@
         </p:nvSpPr>
         <p:spPr>
           <a:xfrm>
-            <a:off x="8433786" y="4518520"/>
+            <a:off x="9016476" y="4497417"/>
             <a:ext cx="152400" cy="199803"/>
           </a:xfrm>
           <a:prstGeom prst="rect">
@@ -4558,13 +4558,14 @@
           <p:cNvPr id="75" name="Straight Arrow Connector 74"/>
           <p:cNvCxnSpPr>
             <a:cxnSpLocks/>
+            <a:endCxn id="73" idx="0"/>
           </p:cNvCxnSpPr>
           <p:nvPr/>
         </p:nvCxnSpPr>
         <p:spPr>
-          <a:xfrm>
-            <a:off x="6138768" y="4518519"/>
-            <a:ext cx="2295018" cy="1"/>
+          <a:xfrm flipV="1">
+            <a:off x="6138768" y="4497417"/>
+            <a:ext cx="2953908" cy="21102"/>
           </a:xfrm>
           <a:prstGeom prst="straightConnector1">
             <a:avLst/>
@@ -4602,8 +4603,8 @@
         </p:nvCxnSpPr>
         <p:spPr>
           <a:xfrm>
-            <a:off x="6116590" y="4717783"/>
-            <a:ext cx="2393396" cy="540"/>
+            <a:off x="6112583" y="4697220"/>
+            <a:ext cx="2980093" cy="0"/>
           </a:xfrm>
           <a:prstGeom prst="straightConnector1">
             <a:avLst/>
@@ -4684,8 +4685,8 @@
         </p:nvSpPr>
         <p:spPr>
           <a:xfrm>
-            <a:off x="6119784" y="4231602"/>
-            <a:ext cx="2227488" cy="215444"/>
+            <a:off x="6162781" y="4231667"/>
+            <a:ext cx="2845012" cy="215444"/>
           </a:xfrm>
           <a:prstGeom prst="rect">
             <a:avLst/>
@@ -4731,7 +4732,7 @@
                   <a:srgbClr val="7030A0"/>
                 </a:solidFill>
               </a:rPr>
-              <a:t>filepath</a:t>
+              <a:t>filepath,password</a:t>
             </a:r>
             <a:r>
               <a:rPr lang="en-US" dirty="0">
